--- a/final_presentation.pptx
+++ b/final_presentation.pptx
@@ -13021,7 +13021,7 @@
         <p:spPr>
           <a:xfrm>
             <a:off x="589875" y="1853850"/>
-            <a:ext cx="6901432" cy="2674500"/>
+            <a:ext cx="6250602" cy="2674500"/>
           </a:xfrm>
           <a:prstGeom prst="rect">
             <a:avLst/>
@@ -13029,7 +13029,7 @@
         </p:spPr>
         <p:txBody>
           <a:bodyPr spcFirstLastPara="1" wrap="square" lIns="91425" tIns="91425" rIns="91425" bIns="91425" anchor="t" anchorCtr="0">
-            <a:normAutofit lnSpcReduction="10000"/>
+            <a:normAutofit fontScale="92500"/>
           </a:bodyPr>
           <a:lstStyle/>
           <a:p>

--- a/final_presentation.pptx
+++ b/final_presentation.pptx
@@ -14091,15 +14091,14 @@
           </a:bodyPr>
           <a:lstStyle/>
           <a:p>
-            <a:pPr marL="228600" lvl="0" indent="-228600" algn="l" rtl="0">
-              <a:spcBef>
-                <a:spcPts val="0"/>
-              </a:spcBef>
-              <a:spcAft>
-                <a:spcPts val="0"/>
-              </a:spcAft>
-              <a:buFont typeface="+mj-lt"/>
-              <a:buAutoNum type="arabicPeriod"/>
+            <a:pPr marL="0" lvl="0" indent="0" algn="l" rtl="0">
+              <a:spcBef>
+                <a:spcPts val="0"/>
+              </a:spcBef>
+              <a:spcAft>
+                <a:spcPts val="0"/>
+              </a:spcAft>
+              <a:buNone/>
             </a:pPr>
             <a:r>
               <a:rPr lang="en" dirty="0">
@@ -14107,11 +14106,13 @@
                   <a:schemeClr val="bg2"/>
                 </a:solidFill>
               </a:rPr>
-              <a:t>Exploratory Data Analysis (EDA)</a:t>
+              <a:t>2.    Exploratory Data Analysis (EDA)</a:t>
             </a:r>
           </a:p>
           <a:p>
-            <a:pPr marL="685800" lvl="1" indent="-228600"/>
+            <a:pPr marL="457200" lvl="1" indent="0">
+              <a:buNone/>
+            </a:pPr>
             <a:r>
               <a:rPr lang="en-US" dirty="0">
                 <a:solidFill>
@@ -14135,23 +14136,30 @@
             </a:endParaRPr>
           </a:p>
           <a:p>
-            <a:pPr marL="342900" lvl="0" indent="-342900" algn="l" rtl="0">
-              <a:spcBef>
-                <a:spcPts val="0"/>
-              </a:spcBef>
-              <a:spcAft>
-                <a:spcPts val="0"/>
-              </a:spcAft>
-              <a:buFont typeface="+mj-lt"/>
-              <a:buAutoNum type="arabicPeriod"/>
+            <a:pPr marL="0" lvl="0" indent="0" algn="l" rtl="0">
+              <a:spcBef>
+                <a:spcPts val="0"/>
+              </a:spcBef>
+              <a:spcAft>
+                <a:spcPts val="0"/>
+              </a:spcAft>
+              <a:buNone/>
             </a:pPr>
             <a:r>
+              <a:rPr lang="en">
+                <a:solidFill>
+                  <a:schemeClr val="dk2"/>
+                </a:solidFill>
+              </a:rPr>
+              <a:t>3.     Data </a:t>
+            </a:r>
+            <a:r>
               <a:rPr lang="en" dirty="0">
                 <a:solidFill>
                   <a:schemeClr val="dk2"/>
                 </a:solidFill>
               </a:rPr>
-              <a:t>Data is split into </a:t>
+              <a:t>is split into </a:t>
             </a:r>
             <a:r>
               <a:rPr lang="en" dirty="0">

--- a/final_presentation.pptx
+++ b/final_presentation.pptx
@@ -13548,8 +13548,8 @@
         </p:nvSpPr>
         <p:spPr>
           <a:xfrm rot="5400000">
-            <a:off x="6954960" y="2649257"/>
-            <a:ext cx="967952" cy="176108"/>
+            <a:off x="6782047" y="2822170"/>
+            <a:ext cx="1313778" cy="176108"/>
           </a:xfrm>
           <a:prstGeom prst="uturnArrow">
             <a:avLst/>
@@ -13598,7 +13598,7 @@
         </p:nvSpPr>
         <p:spPr>
           <a:xfrm>
-            <a:off x="6920653" y="2514374"/>
+            <a:off x="6920653" y="2762029"/>
             <a:ext cx="1754294" cy="253916"/>
           </a:xfrm>
           <a:prstGeom prst="rect">
@@ -13646,7 +13646,7 @@
         </p:nvSpPr>
         <p:spPr>
           <a:xfrm>
-            <a:off x="6663856" y="3256370"/>
+            <a:off x="6663856" y="3642448"/>
             <a:ext cx="1754294" cy="253916"/>
           </a:xfrm>
           <a:prstGeom prst="rect">
@@ -13759,7 +13759,7 @@
         </p:nvSpPr>
         <p:spPr>
           <a:xfrm rot="5400000">
-            <a:off x="7354311" y="3316897"/>
+            <a:off x="7354311" y="3702975"/>
             <a:ext cx="253918" cy="176108"/>
           </a:xfrm>
           <a:prstGeom prst="uturnArrow">
@@ -13809,7 +13809,7 @@
         </p:nvSpPr>
         <p:spPr>
           <a:xfrm>
-            <a:off x="6777990" y="3523660"/>
+            <a:off x="6777990" y="3869092"/>
             <a:ext cx="1696446" cy="253916"/>
           </a:xfrm>
           <a:prstGeom prst="rect">
@@ -13865,7 +13865,7 @@
         </p:nvSpPr>
         <p:spPr>
           <a:xfrm>
-            <a:off x="6777990" y="3721616"/>
+            <a:off x="6777990" y="4067048"/>
             <a:ext cx="1696446" cy="253916"/>
           </a:xfrm>
           <a:prstGeom prst="rect">
@@ -13921,7 +13921,7 @@
         </p:nvSpPr>
         <p:spPr>
           <a:xfrm>
-            <a:off x="6964680" y="3790950"/>
+            <a:off x="6964680" y="4136382"/>
             <a:ext cx="604644" cy="70243"/>
           </a:xfrm>
           <a:prstGeom prst="rightArrow">
@@ -13967,7 +13967,7 @@
         </p:nvSpPr>
         <p:spPr>
           <a:xfrm>
-            <a:off x="6964680" y="3642360"/>
+            <a:off x="6964680" y="3987792"/>
             <a:ext cx="604644" cy="70243"/>
           </a:xfrm>
           <a:prstGeom prst="rightArrow">
@@ -16425,10 +16425,10 @@
                         <a:buNone/>
                       </a:pPr>
                       <a:r>
-                        <a:rPr lang="en" sz="700"/>
+                        <a:rPr lang="en" sz="700" dirty="0"/>
                         <a:t>Gradient Boosted regressor</a:t>
                       </a:r>
-                      <a:endParaRPr sz="700"/>
+                      <a:endParaRPr sz="700" dirty="0"/>
                     </a:p>
                   </a:txBody>
                   <a:tcPr marL="91425" marR="91425" marT="91425" marB="91425">
